--- a/materials/Ontologies_Theory_and_Applications-20240208.pptx
+++ b/materials/Ontologies_Theory_and_Applications-20240208.pptx
@@ -6,7 +6,7 @@
     <p:sldMasterId id="2147483661" r:id="rId2"/>
   </p:sldMasterIdLst>
   <p:notesMasterIdLst>
-    <p:notesMasterId r:id="rId26"/>
+    <p:notesMasterId r:id="rId27"/>
   </p:notesMasterIdLst>
   <p:sldIdLst>
     <p:sldId id="256" r:id="rId3"/>
@@ -23,15 +23,16 @@
     <p:sldId id="365" r:id="rId14"/>
     <p:sldId id="366" r:id="rId15"/>
     <p:sldId id="367" r:id="rId16"/>
-    <p:sldId id="360" r:id="rId17"/>
-    <p:sldId id="361" r:id="rId18"/>
-    <p:sldId id="363" r:id="rId19"/>
-    <p:sldId id="368" r:id="rId20"/>
-    <p:sldId id="369" r:id="rId21"/>
-    <p:sldId id="298" r:id="rId22"/>
-    <p:sldId id="362" r:id="rId23"/>
-    <p:sldId id="359" r:id="rId24"/>
-    <p:sldId id="364" r:id="rId25"/>
+    <p:sldId id="370" r:id="rId17"/>
+    <p:sldId id="360" r:id="rId18"/>
+    <p:sldId id="361" r:id="rId19"/>
+    <p:sldId id="363" r:id="rId20"/>
+    <p:sldId id="368" r:id="rId21"/>
+    <p:sldId id="369" r:id="rId22"/>
+    <p:sldId id="298" r:id="rId23"/>
+    <p:sldId id="362" r:id="rId24"/>
+    <p:sldId id="359" r:id="rId25"/>
+    <p:sldId id="364" r:id="rId26"/>
   </p:sldIdLst>
   <p:sldSz cx="12192000" cy="6858000"/>
   <p:notesSz cx="6858000" cy="9144000"/>
@@ -130,6 +131,11 @@
       </a:defRPr>
     </a:lvl9pPr>
   </p:defaultTextStyle>
+  <p:extLst>
+    <p:ext uri="{EFAFB233-063F-42B5-8137-9DF3F51BA10A}">
+      <p15:sldGuideLst xmlns:p15="http://schemas.microsoft.com/office/powerpoint/2012/main"/>
+    </p:ext>
+  </p:extLst>
 </p:presentation>
 </file>
 
@@ -18937,6 +18943,196 @@
       </p:grpSpPr>
       <p:pic>
         <p:nvPicPr>
+          <p:cNvPr id="10" name="Picture 9">
+            <a:extLst>
+              <a:ext uri="{FF2B5EF4-FFF2-40B4-BE49-F238E27FC236}">
+                <a16:creationId xmlns:a16="http://schemas.microsoft.com/office/drawing/2014/main" id="{0A92E2DC-D674-4F68-AB8C-607205B897C3}"/>
+              </a:ext>
+            </a:extLst>
+          </p:cNvPr>
+          <p:cNvPicPr>
+            <a:picLocks noChangeAspect="1"/>
+          </p:cNvPicPr>
+          <p:nvPr/>
+        </p:nvPicPr>
+        <p:blipFill>
+          <a:blip r:embed="rId2"/>
+          <a:stretch>
+            <a:fillRect/>
+          </a:stretch>
+        </p:blipFill>
+        <p:spPr>
+          <a:xfrm>
+            <a:off x="7291331" y="153000"/>
+            <a:ext cx="3319104" cy="6552000"/>
+          </a:xfrm>
+          <a:prstGeom prst="rect">
+            <a:avLst/>
+          </a:prstGeom>
+        </p:spPr>
+      </p:pic>
+      <p:sp>
+        <p:nvSpPr>
+          <p:cNvPr id="11" name="Title 10">
+            <a:extLst>
+              <a:ext uri="{FF2B5EF4-FFF2-40B4-BE49-F238E27FC236}">
+                <a16:creationId xmlns:a16="http://schemas.microsoft.com/office/drawing/2014/main" id="{E4286D30-39BB-4AB1-8078-8FDC5C6512DD}"/>
+              </a:ext>
+            </a:extLst>
+          </p:cNvPr>
+          <p:cNvSpPr>
+            <a:spLocks noGrp="1"/>
+          </p:cNvSpPr>
+          <p:nvPr>
+            <p:ph type="title"/>
+          </p:nvPr>
+        </p:nvSpPr>
+        <p:spPr/>
+        <p:txBody>
+          <a:bodyPr/>
+          <a:lstStyle/>
+          <a:p>
+            <a:r>
+              <a:rPr lang="en-CA" dirty="0"/>
+              <a:t>OIC Initiative</a:t>
+            </a:r>
+            <a:br>
+              <a:rPr lang="en-CA" dirty="0"/>
+            </a:br>
+            <a:r>
+              <a:rPr lang="en-CA" dirty="0"/>
+              <a:t>Sample ontology</a:t>
+            </a:r>
+          </a:p>
+        </p:txBody>
+      </p:sp>
+      <p:sp>
+        <p:nvSpPr>
+          <p:cNvPr id="12" name="Content Placeholder 11">
+            <a:extLst>
+              <a:ext uri="{FF2B5EF4-FFF2-40B4-BE49-F238E27FC236}">
+                <a16:creationId xmlns:a16="http://schemas.microsoft.com/office/drawing/2014/main" id="{7B13C646-ED95-4A86-A373-8BE3A1683D99}"/>
+              </a:ext>
+            </a:extLst>
+          </p:cNvPr>
+          <p:cNvSpPr>
+            <a:spLocks noGrp="1"/>
+          </p:cNvSpPr>
+          <p:nvPr>
+            <p:ph idx="1"/>
+          </p:nvPr>
+        </p:nvSpPr>
+        <p:spPr>
+          <a:xfrm>
+            <a:off x="838200" y="1825625"/>
+            <a:ext cx="5331372" cy="4351338"/>
+          </a:xfrm>
+        </p:spPr>
+        <p:txBody>
+          <a:bodyPr/>
+          <a:lstStyle/>
+          <a:p>
+            <a:r>
+              <a:rPr lang="en-CA" dirty="0"/>
+              <a:t>Common semantic data structure</a:t>
+            </a:r>
+          </a:p>
+          <a:p>
+            <a:r>
+              <a:rPr lang="en-CA" dirty="0"/>
+              <a:t>A formalization of domain knowledge</a:t>
+            </a:r>
+          </a:p>
+          <a:p>
+            <a:r>
+              <a:rPr lang="en-CA" dirty="0"/>
+              <a:t>Facilitates communication</a:t>
+            </a:r>
+          </a:p>
+          <a:p>
+            <a:r>
+              <a:rPr lang="en-CA" dirty="0"/>
+              <a:t>Continual refinement of concepts, definitions, relationships</a:t>
+            </a:r>
+          </a:p>
+          <a:p>
+            <a:r>
+              <a:rPr lang="en-CA" dirty="0"/>
+              <a:t>Ontology for Factsheets</a:t>
+            </a:r>
+          </a:p>
+        </p:txBody>
+      </p:sp>
+      <p:sp>
+        <p:nvSpPr>
+          <p:cNvPr id="2" name="TextBox 1">
+            <a:extLst>
+              <a:ext uri="{FF2B5EF4-FFF2-40B4-BE49-F238E27FC236}">
+                <a16:creationId xmlns:a16="http://schemas.microsoft.com/office/drawing/2014/main" id="{7ACB92D0-5147-406A-BFD7-E11CAF7420CD}"/>
+              </a:ext>
+            </a:extLst>
+          </p:cNvPr>
+          <p:cNvSpPr txBox="1"/>
+          <p:nvPr/>
+        </p:nvSpPr>
+        <p:spPr>
+          <a:xfrm flipH="1">
+            <a:off x="10014377" y="6453000"/>
+            <a:ext cx="1935481" cy="252000"/>
+          </a:xfrm>
+          <a:prstGeom prst="rect">
+            <a:avLst/>
+          </a:prstGeom>
+          <a:noFill/>
+        </p:spPr>
+        <p:txBody>
+          <a:bodyPr wrap="square" rtlCol="0">
+            <a:spAutoFit/>
+          </a:bodyPr>
+          <a:lstStyle/>
+          <a:p>
+            <a:r>
+              <a:rPr lang="en-CA" sz="1000" dirty="0"/>
+              <a:t>Contact: Jackie.Csonka@ibm.com</a:t>
+            </a:r>
+          </a:p>
+          <a:p>
+            <a:endParaRPr lang="en-CA" dirty="0"/>
+          </a:p>
+        </p:txBody>
+      </p:sp>
+    </p:spTree>
+    <p:extLst>
+      <p:ext uri="{BB962C8B-B14F-4D97-AF65-F5344CB8AC3E}">
+        <p14:creationId xmlns:p14="http://schemas.microsoft.com/office/powerpoint/2010/main" val="3503525305"/>
+      </p:ext>
+    </p:extLst>
+  </p:cSld>
+  <p:clrMapOvr>
+    <a:masterClrMapping/>
+  </p:clrMapOvr>
+</p:sld>
+</file>
+
+<file path=ppt/slides/slide16.xml><?xml version="1.0" encoding="utf-8"?>
+<p:sld xmlns:a="http://schemas.openxmlformats.org/drawingml/2006/main" xmlns:r="http://schemas.openxmlformats.org/officeDocument/2006/relationships" xmlns:p="http://schemas.openxmlformats.org/presentationml/2006/main">
+  <p:cSld>
+    <p:spTree>
+      <p:nvGrpSpPr>
+        <p:cNvPr id="1" name=""/>
+        <p:cNvGrpSpPr/>
+        <p:nvPr/>
+      </p:nvGrpSpPr>
+      <p:grpSpPr>
+        <a:xfrm>
+          <a:off x="0" y="0"/>
+          <a:ext cx="0" cy="0"/>
+          <a:chOff x="0" y="0"/>
+          <a:chExt cx="0" cy="0"/>
+        </a:xfrm>
+      </p:grpSpPr>
+      <p:pic>
+        <p:nvPicPr>
           <p:cNvPr id="3" name="Picture 2" descr="A diagram of a company&#10;&#10;Description automatically generated">
             <a:extLst>
               <a:ext uri="{FF2B5EF4-FFF2-40B4-BE49-F238E27FC236}">
@@ -19331,7 +19527,7 @@
 </p:sld>
 </file>
 
-<file path=ppt/slides/slide16.xml><?xml version="1.0" encoding="utf-8"?>
+<file path=ppt/slides/slide17.xml><?xml version="1.0" encoding="utf-8"?>
 <p:sld xmlns:a="http://schemas.openxmlformats.org/drawingml/2006/main" xmlns:r="http://schemas.openxmlformats.org/officeDocument/2006/relationships" xmlns:p="http://schemas.openxmlformats.org/presentationml/2006/main">
   <p:cSld>
     <p:spTree>
@@ -19812,7 +20008,7 @@
 </p:sld>
 </file>
 
-<file path=ppt/slides/slide17.xml><?xml version="1.0" encoding="utf-8"?>
+<file path=ppt/slides/slide18.xml><?xml version="1.0" encoding="utf-8"?>
 <p:sld xmlns:a="http://schemas.openxmlformats.org/drawingml/2006/main" xmlns:r="http://schemas.openxmlformats.org/officeDocument/2006/relationships" xmlns:p="http://schemas.openxmlformats.org/presentationml/2006/main">
   <p:cSld>
     <p:spTree>
@@ -24775,7 +24971,7 @@
 </p:sld>
 </file>
 
-<file path=ppt/slides/slide18.xml><?xml version="1.0" encoding="utf-8"?>
+<file path=ppt/slides/slide19.xml><?xml version="1.0" encoding="utf-8"?>
 <p:sld xmlns:a="http://schemas.openxmlformats.org/drawingml/2006/main" xmlns:r="http://schemas.openxmlformats.org/officeDocument/2006/relationships" xmlns:p="http://schemas.openxmlformats.org/presentationml/2006/main">
   <p:cSld>
     <p:spTree>
@@ -25112,231 +25308,6 @@
     <p:extLst>
       <p:ext uri="{BB962C8B-B14F-4D97-AF65-F5344CB8AC3E}">
         <p14:creationId xmlns:p14="http://schemas.microsoft.com/office/powerpoint/2010/main" val="1471361103"/>
-      </p:ext>
-    </p:extLst>
-  </p:cSld>
-  <p:clrMapOvr>
-    <a:masterClrMapping/>
-  </p:clrMapOvr>
-</p:sld>
-</file>
-
-<file path=ppt/slides/slide19.xml><?xml version="1.0" encoding="utf-8"?>
-<p:sld xmlns:a="http://schemas.openxmlformats.org/drawingml/2006/main" xmlns:r="http://schemas.openxmlformats.org/officeDocument/2006/relationships" xmlns:p="http://schemas.openxmlformats.org/presentationml/2006/main">
-  <p:cSld>
-    <p:spTree>
-      <p:nvGrpSpPr>
-        <p:cNvPr id="1" name=""/>
-        <p:cNvGrpSpPr/>
-        <p:nvPr/>
-      </p:nvGrpSpPr>
-      <p:grpSpPr>
-        <a:xfrm>
-          <a:off x="0" y="0"/>
-          <a:ext cx="0" cy="0"/>
-          <a:chOff x="0" y="0"/>
-          <a:chExt cx="0" cy="0"/>
-        </a:xfrm>
-      </p:grpSpPr>
-      <p:sp>
-        <p:nvSpPr>
-          <p:cNvPr id="2" name="Title 1">
-            <a:extLst>
-              <a:ext uri="{FF2B5EF4-FFF2-40B4-BE49-F238E27FC236}">
-                <a16:creationId xmlns:a16="http://schemas.microsoft.com/office/drawing/2014/main" id="{23B563B5-92F4-EEB5-5528-54C9D08DA5DA}"/>
-              </a:ext>
-            </a:extLst>
-          </p:cNvPr>
-          <p:cNvSpPr>
-            <a:spLocks noGrp="1"/>
-          </p:cNvSpPr>
-          <p:nvPr>
-            <p:ph type="title"/>
-          </p:nvPr>
-        </p:nvSpPr>
-        <p:spPr/>
-        <p:txBody>
-          <a:bodyPr/>
-          <a:lstStyle/>
-          <a:p>
-            <a:r>
-              <a:rPr lang="en-US" dirty="0"/>
-              <a:t>References</a:t>
-            </a:r>
-          </a:p>
-        </p:txBody>
-      </p:sp>
-      <p:sp>
-        <p:nvSpPr>
-          <p:cNvPr id="3" name="Content Placeholder 2">
-            <a:extLst>
-              <a:ext uri="{FF2B5EF4-FFF2-40B4-BE49-F238E27FC236}">
-                <a16:creationId xmlns:a16="http://schemas.microsoft.com/office/drawing/2014/main" id="{7D809A72-1B33-81E3-A75C-FC9F45158FD4}"/>
-              </a:ext>
-            </a:extLst>
-          </p:cNvPr>
-          <p:cNvSpPr>
-            <a:spLocks noGrp="1"/>
-          </p:cNvSpPr>
-          <p:nvPr>
-            <p:ph idx="1"/>
-          </p:nvPr>
-        </p:nvSpPr>
-        <p:spPr/>
-        <p:txBody>
-          <a:bodyPr>
-            <a:normAutofit fontScale="77500" lnSpcReduction="20000"/>
-          </a:bodyPr>
-          <a:lstStyle/>
-          <a:p>
-            <a:r>
-              <a:rPr lang="en-US" b="1" dirty="0"/>
-              <a:t>On the Multiple Roles of Ontologies in Explainable AI </a:t>
-            </a:r>
-            <a:r>
-              <a:rPr lang="en-US" dirty="0"/>
-              <a:t>Confalonieri &amp; </a:t>
-            </a:r>
-            <a:r>
-              <a:rPr lang="en-US" dirty="0" err="1"/>
-              <a:t>Guizzardi</a:t>
-            </a:r>
-            <a:r>
-              <a:rPr lang="en-US" dirty="0"/>
-              <a:t> </a:t>
-            </a:r>
-          </a:p>
-          <a:p>
-            <a:pPr lvl="1"/>
-            <a:r>
-              <a:rPr lang="en-US" dirty="0">
-                <a:hlinkClick r:id="rId2"/>
-              </a:rPr>
-              <a:t>https://doi.org/10.48550/arXiv.2311.04778</a:t>
-            </a:r>
-            <a:r>
-              <a:rPr lang="en-US" dirty="0"/>
-              <a:t> </a:t>
-            </a:r>
-          </a:p>
-          <a:p>
-            <a:r>
-              <a:rPr lang="en-US" b="1" dirty="0"/>
-              <a:t>Towards FAIR Explainable AI: a standardized ontology for mapping XAI solutions to use cases, explanations, and AI systems </a:t>
-            </a:r>
-            <a:r>
-              <a:rPr lang="en-US" dirty="0"/>
-              <a:t>Adhikari, et. al. </a:t>
-            </a:r>
-          </a:p>
-          <a:p>
-            <a:pPr lvl="1"/>
-            <a:r>
-              <a:rPr lang="en-US" dirty="0">
-                <a:hlinkClick r:id="rId3"/>
-              </a:rPr>
-              <a:t>https://doi.org/10.1145/3529190.3535693</a:t>
-            </a:r>
-            <a:r>
-              <a:rPr lang="en-US" dirty="0"/>
-              <a:t> </a:t>
-            </a:r>
-          </a:p>
-          <a:p>
-            <a:r>
-              <a:rPr lang="en-US" b="1" dirty="0"/>
-              <a:t>Standardizing an Ontology for Ethically Aligned Robotic and Autonomous Systems </a:t>
-            </a:r>
-            <a:r>
-              <a:rPr lang="en-US" dirty="0"/>
-              <a:t>Houghtaling, </a:t>
-            </a:r>
-            <a:r>
-              <a:rPr lang="en-US" dirty="0" err="1"/>
-              <a:t>Fiorini</a:t>
-            </a:r>
-            <a:r>
-              <a:rPr lang="en-US" dirty="0"/>
-              <a:t>, et. al. </a:t>
-            </a:r>
-          </a:p>
-          <a:p>
-            <a:pPr lvl="1"/>
-            <a:r>
-              <a:rPr lang="en-US" dirty="0">
-                <a:hlinkClick r:id="rId4"/>
-              </a:rPr>
-              <a:t>https://doi.org/10.1109/TSMC.2023.3330981</a:t>
-            </a:r>
-            <a:r>
-              <a:rPr lang="en-US" dirty="0"/>
-              <a:t> </a:t>
-            </a:r>
-          </a:p>
-          <a:p>
-            <a:r>
-              <a:rPr lang="en-US" b="1" dirty="0"/>
-              <a:t>Knowledge Graph Empowered Machine Learning Pipelines for Improved Efficiency, Reusability, and Explainability </a:t>
-            </a:r>
-            <a:r>
-              <a:rPr lang="en-US" dirty="0" err="1"/>
-              <a:t>Venkataramanan</a:t>
-            </a:r>
-            <a:r>
-              <a:rPr lang="en-US" dirty="0"/>
-              <a:t>, Tripathy, et. al. </a:t>
-            </a:r>
-          </a:p>
-          <a:p>
-            <a:pPr lvl="1"/>
-            <a:r>
-              <a:rPr lang="en-US" dirty="0">
-                <a:hlinkClick r:id="rId5"/>
-              </a:rPr>
-              <a:t>https://doi.ieeecomputersociety.org/10.1109/MIC.2022.3228087</a:t>
-            </a:r>
-            <a:r>
-              <a:rPr lang="en-US" dirty="0"/>
-              <a:t> </a:t>
-            </a:r>
-          </a:p>
-          <a:p>
-            <a:r>
-              <a:rPr lang="en-US" b="1" dirty="0"/>
-              <a:t>Role of Ontologies in Enabling AI Transparency</a:t>
-            </a:r>
-            <a:r>
-              <a:rPr lang="en-US" dirty="0"/>
-              <a:t> </a:t>
-            </a:r>
-            <a:r>
-              <a:rPr lang="en-US" dirty="0" err="1"/>
-              <a:t>Venkataramanan</a:t>
-            </a:r>
-            <a:r>
-              <a:rPr lang="en-US" dirty="0"/>
-              <a:t>, Tripathy, &amp; Hashmi</a:t>
-            </a:r>
-          </a:p>
-          <a:p>
-            <a:pPr lvl="1"/>
-            <a:r>
-              <a:rPr lang="en-US" dirty="0">
-                <a:hlinkClick r:id="rId6"/>
-              </a:rPr>
-              <a:t>https://lfaidata.foundation/blog/2023/09/29/role-of-ontologies-in-enabling-ai-transparency/</a:t>
-            </a:r>
-            <a:r>
-              <a:rPr lang="en-US" dirty="0"/>
-              <a:t> </a:t>
-            </a:r>
-          </a:p>
-        </p:txBody>
-      </p:sp>
-    </p:spTree>
-    <p:extLst>
-      <p:ext uri="{BB962C8B-B14F-4D97-AF65-F5344CB8AC3E}">
-        <p14:creationId xmlns:p14="http://schemas.microsoft.com/office/powerpoint/2010/main" val="1238343525"/>
       </p:ext>
     </p:extLst>
   </p:cSld>
@@ -25966,6 +25937,231 @@
       </p:grpSpPr>
       <p:sp>
         <p:nvSpPr>
+          <p:cNvPr id="2" name="Title 1">
+            <a:extLst>
+              <a:ext uri="{FF2B5EF4-FFF2-40B4-BE49-F238E27FC236}">
+                <a16:creationId xmlns:a16="http://schemas.microsoft.com/office/drawing/2014/main" id="{23B563B5-92F4-EEB5-5528-54C9D08DA5DA}"/>
+              </a:ext>
+            </a:extLst>
+          </p:cNvPr>
+          <p:cNvSpPr>
+            <a:spLocks noGrp="1"/>
+          </p:cNvSpPr>
+          <p:nvPr>
+            <p:ph type="title"/>
+          </p:nvPr>
+        </p:nvSpPr>
+        <p:spPr/>
+        <p:txBody>
+          <a:bodyPr/>
+          <a:lstStyle/>
+          <a:p>
+            <a:r>
+              <a:rPr lang="en-US" dirty="0"/>
+              <a:t>References</a:t>
+            </a:r>
+          </a:p>
+        </p:txBody>
+      </p:sp>
+      <p:sp>
+        <p:nvSpPr>
+          <p:cNvPr id="3" name="Content Placeholder 2">
+            <a:extLst>
+              <a:ext uri="{FF2B5EF4-FFF2-40B4-BE49-F238E27FC236}">
+                <a16:creationId xmlns:a16="http://schemas.microsoft.com/office/drawing/2014/main" id="{7D809A72-1B33-81E3-A75C-FC9F45158FD4}"/>
+              </a:ext>
+            </a:extLst>
+          </p:cNvPr>
+          <p:cNvSpPr>
+            <a:spLocks noGrp="1"/>
+          </p:cNvSpPr>
+          <p:nvPr>
+            <p:ph idx="1"/>
+          </p:nvPr>
+        </p:nvSpPr>
+        <p:spPr/>
+        <p:txBody>
+          <a:bodyPr>
+            <a:normAutofit fontScale="77500" lnSpcReduction="20000"/>
+          </a:bodyPr>
+          <a:lstStyle/>
+          <a:p>
+            <a:r>
+              <a:rPr lang="en-US" b="1" dirty="0"/>
+              <a:t>On the Multiple Roles of Ontologies in Explainable AI </a:t>
+            </a:r>
+            <a:r>
+              <a:rPr lang="en-US" dirty="0"/>
+              <a:t>Confalonieri &amp; </a:t>
+            </a:r>
+            <a:r>
+              <a:rPr lang="en-US" dirty="0" err="1"/>
+              <a:t>Guizzardi</a:t>
+            </a:r>
+            <a:r>
+              <a:rPr lang="en-US" dirty="0"/>
+              <a:t> </a:t>
+            </a:r>
+          </a:p>
+          <a:p>
+            <a:pPr lvl="1"/>
+            <a:r>
+              <a:rPr lang="en-US" dirty="0">
+                <a:hlinkClick r:id="rId2"/>
+              </a:rPr>
+              <a:t>https://doi.org/10.48550/arXiv.2311.04778</a:t>
+            </a:r>
+            <a:r>
+              <a:rPr lang="en-US" dirty="0"/>
+              <a:t> </a:t>
+            </a:r>
+          </a:p>
+          <a:p>
+            <a:r>
+              <a:rPr lang="en-US" b="1" dirty="0"/>
+              <a:t>Towards FAIR Explainable AI: a standardized ontology for mapping XAI solutions to use cases, explanations, and AI systems </a:t>
+            </a:r>
+            <a:r>
+              <a:rPr lang="en-US" dirty="0"/>
+              <a:t>Adhikari, et. al. </a:t>
+            </a:r>
+          </a:p>
+          <a:p>
+            <a:pPr lvl="1"/>
+            <a:r>
+              <a:rPr lang="en-US" dirty="0">
+                <a:hlinkClick r:id="rId3"/>
+              </a:rPr>
+              <a:t>https://doi.org/10.1145/3529190.3535693</a:t>
+            </a:r>
+            <a:r>
+              <a:rPr lang="en-US" dirty="0"/>
+              <a:t> </a:t>
+            </a:r>
+          </a:p>
+          <a:p>
+            <a:r>
+              <a:rPr lang="en-US" b="1" dirty="0"/>
+              <a:t>Standardizing an Ontology for Ethically Aligned Robotic and Autonomous Systems </a:t>
+            </a:r>
+            <a:r>
+              <a:rPr lang="en-US" dirty="0"/>
+              <a:t>Houghtaling, </a:t>
+            </a:r>
+            <a:r>
+              <a:rPr lang="en-US" dirty="0" err="1"/>
+              <a:t>Fiorini</a:t>
+            </a:r>
+            <a:r>
+              <a:rPr lang="en-US" dirty="0"/>
+              <a:t>, et. al. </a:t>
+            </a:r>
+          </a:p>
+          <a:p>
+            <a:pPr lvl="1"/>
+            <a:r>
+              <a:rPr lang="en-US" dirty="0">
+                <a:hlinkClick r:id="rId4"/>
+              </a:rPr>
+              <a:t>https://doi.org/10.1109/TSMC.2023.3330981</a:t>
+            </a:r>
+            <a:r>
+              <a:rPr lang="en-US" dirty="0"/>
+              <a:t> </a:t>
+            </a:r>
+          </a:p>
+          <a:p>
+            <a:r>
+              <a:rPr lang="en-US" b="1" dirty="0"/>
+              <a:t>Knowledge Graph Empowered Machine Learning Pipelines for Improved Efficiency, Reusability, and Explainability </a:t>
+            </a:r>
+            <a:r>
+              <a:rPr lang="en-US" dirty="0" err="1"/>
+              <a:t>Venkataramanan</a:t>
+            </a:r>
+            <a:r>
+              <a:rPr lang="en-US" dirty="0"/>
+              <a:t>, Tripathy, et. al. </a:t>
+            </a:r>
+          </a:p>
+          <a:p>
+            <a:pPr lvl="1"/>
+            <a:r>
+              <a:rPr lang="en-US" dirty="0">
+                <a:hlinkClick r:id="rId5"/>
+              </a:rPr>
+              <a:t>https://doi.ieeecomputersociety.org/10.1109/MIC.2022.3228087</a:t>
+            </a:r>
+            <a:r>
+              <a:rPr lang="en-US" dirty="0"/>
+              <a:t> </a:t>
+            </a:r>
+          </a:p>
+          <a:p>
+            <a:r>
+              <a:rPr lang="en-US" b="1" dirty="0"/>
+              <a:t>Role of Ontologies in Enabling AI Transparency</a:t>
+            </a:r>
+            <a:r>
+              <a:rPr lang="en-US" dirty="0"/>
+              <a:t> </a:t>
+            </a:r>
+            <a:r>
+              <a:rPr lang="en-US" dirty="0" err="1"/>
+              <a:t>Venkataramanan</a:t>
+            </a:r>
+            <a:r>
+              <a:rPr lang="en-US" dirty="0"/>
+              <a:t>, Tripathy, &amp; Hashmi</a:t>
+            </a:r>
+          </a:p>
+          <a:p>
+            <a:pPr lvl="1"/>
+            <a:r>
+              <a:rPr lang="en-US" dirty="0">
+                <a:hlinkClick r:id="rId6"/>
+              </a:rPr>
+              <a:t>https://lfaidata.foundation/blog/2023/09/29/role-of-ontologies-in-enabling-ai-transparency/</a:t>
+            </a:r>
+            <a:r>
+              <a:rPr lang="en-US" dirty="0"/>
+              <a:t> </a:t>
+            </a:r>
+          </a:p>
+        </p:txBody>
+      </p:sp>
+    </p:spTree>
+    <p:extLst>
+      <p:ext uri="{BB962C8B-B14F-4D97-AF65-F5344CB8AC3E}">
+        <p14:creationId xmlns:p14="http://schemas.microsoft.com/office/powerpoint/2010/main" val="1238343525"/>
+      </p:ext>
+    </p:extLst>
+  </p:cSld>
+  <p:clrMapOvr>
+    <a:masterClrMapping/>
+  </p:clrMapOvr>
+</p:sld>
+</file>
+
+<file path=ppt/slides/slide21.xml><?xml version="1.0" encoding="utf-8"?>
+<p:sld xmlns:a="http://schemas.openxmlformats.org/drawingml/2006/main" xmlns:r="http://schemas.openxmlformats.org/officeDocument/2006/relationships" xmlns:p="http://schemas.openxmlformats.org/presentationml/2006/main">
+  <p:cSld>
+    <p:spTree>
+      <p:nvGrpSpPr>
+        <p:cNvPr id="1" name=""/>
+        <p:cNvGrpSpPr/>
+        <p:nvPr/>
+      </p:nvGrpSpPr>
+      <p:grpSpPr>
+        <a:xfrm>
+          <a:off x="0" y="0"/>
+          <a:ext cx="0" cy="0"/>
+          <a:chOff x="0" y="0"/>
+          <a:chExt cx="0" cy="0"/>
+        </a:xfrm>
+      </p:grpSpPr>
+      <p:sp>
+        <p:nvSpPr>
           <p:cNvPr id="3" name="Slide Number Placeholder 2">
             <a:extLst>
               <a:ext uri="{FF2B5EF4-FFF2-40B4-BE49-F238E27FC236}">
@@ -25994,7 +26190,7 @@
                 <a:latin typeface="IBM Plex Sans"/>
               </a:rPr>
               <a:pPr defTabSz="914621"/>
-              <a:t>20</a:t>
+              <a:t>21</a:t>
             </a:fld>
             <a:endParaRPr lang="en-US" dirty="0">
               <a:solidFill>
@@ -26056,7 +26252,7 @@
 </p:sld>
 </file>
 
-<file path=ppt/slides/slide21.xml><?xml version="1.0" encoding="utf-8"?>
+<file path=ppt/slides/slide22.xml><?xml version="1.0" encoding="utf-8"?>
 <p:sld xmlns:a="http://schemas.openxmlformats.org/drawingml/2006/main" xmlns:r="http://schemas.openxmlformats.org/officeDocument/2006/relationships" xmlns:p="http://schemas.openxmlformats.org/presentationml/2006/main">
   <p:cSld>
     <p:spTree>
@@ -26142,7 +26338,7 @@
 </p:sld>
 </file>
 
-<file path=ppt/slides/slide22.xml><?xml version="1.0" encoding="utf-8"?>
+<file path=ppt/slides/slide23.xml><?xml version="1.0" encoding="utf-8"?>
 <p:sld xmlns:a="http://schemas.openxmlformats.org/drawingml/2006/main" xmlns:r="http://schemas.openxmlformats.org/officeDocument/2006/relationships" xmlns:p="http://schemas.openxmlformats.org/presentationml/2006/main">
   <p:cSld>
     <p:spTree>
@@ -26325,7 +26521,7 @@
 </p:sld>
 </file>
 
-<file path=ppt/slides/slide23.xml><?xml version="1.0" encoding="utf-8"?>
+<file path=ppt/slides/slide24.xml><?xml version="1.0" encoding="utf-8"?>
 <p:sld xmlns:a="http://schemas.openxmlformats.org/drawingml/2006/main" xmlns:r="http://schemas.openxmlformats.org/officeDocument/2006/relationships" xmlns:p="http://schemas.openxmlformats.org/presentationml/2006/main">
   <p:cSld>
     <p:spTree>
